--- a/example.pptx
+++ b/example.pptx
@@ -8,7 +8,7 @@
     <p:notesMasterId r:id="rId3"/>
   </p:notesMasterIdLst>
   <p:sldIdLst>
-    <p:sldId id="306" r:id="rId2"/>
+    <p:sldId id="309" r:id="rId2"/>
   </p:sldIdLst>
   <p:sldSz cx="12192000" cy="6858000"/>
   <p:notesSz cx="6858000" cy="9144000"/>
@@ -112,7 +112,7 @@
       <p14:sectionLst xmlns:p14="http://schemas.microsoft.com/office/powerpoint/2010/main">
         <p14:section name="預設章節" id="{11E74C4D-9A33-4319-8314-3170633F6515}">
           <p14:sldIdLst>
-            <p14:sldId id="306"/>
+            <p14:sldId id="309"/>
           </p14:sldIdLst>
         </p14:section>
       </p14:sectionLst>
@@ -229,7 +229,7 @@
           <a:p>
             <a:fld id="{EF737517-F636-4E2B-BF34-5570A5AD74AC}" type="datetimeFigureOut">
               <a:rPr lang="zh-TW" altLang="en-US" smtClean="0"/>
-              <a:t>2020/8/25</a:t>
+              <a:t>2020/8/26</a:t>
             </a:fld>
             <a:endParaRPr lang="zh-TW" altLang="en-US"/>
           </a:p>
@@ -1813,7 +1813,7 @@
                 <a:tabLst/>
                 <a:defRPr/>
               </a:pPr>
-              <a:t>2020/8/25</a:t>
+              <a:t>2020/8/26</a:t>
             </a:fld>
             <a:endParaRPr kumimoji="0" lang="zh-TW" altLang="en-US" sz="1800" b="0" i="0" u="none" strike="noStrike" kern="1200" cap="none" spc="0" normalizeH="0" baseline="0" noProof="0" dirty="0">
               <a:ln>
@@ -1978,7 +1978,7 @@
           <a:p>
             <a:fld id="{62D7C2F6-6549-4E6B-9677-09BDBC20607C}" type="datetime1">
               <a:rPr lang="zh-TW" altLang="en-US" smtClean="0"/>
-              <a:t>2020/8/25</a:t>
+              <a:t>2020/8/26</a:t>
             </a:fld>
             <a:endParaRPr lang="zh-TW" altLang="en-US"/>
           </a:p>
@@ -2214,7 +2214,7 @@
           <a:p>
             <a:fld id="{5C8A83DF-3588-464D-997E-510332BDEB54}" type="datetime1">
               <a:rPr lang="zh-TW" altLang="en-US" smtClean="0"/>
-              <a:t>2020/8/25</a:t>
+              <a:t>2020/8/26</a:t>
             </a:fld>
             <a:endParaRPr lang="zh-TW" altLang="en-US"/>
           </a:p>
@@ -2972,7 +2972,7 @@
                 <a:tabLst/>
                 <a:defRPr/>
               </a:pPr>
-              <a:t>2020/8/25</a:t>
+              <a:t>2020/8/26</a:t>
             </a:fld>
             <a:endParaRPr kumimoji="0" lang="zh-TW" altLang="en-US" sz="1800" b="0" i="0" u="none" strike="noStrike" kern="1200" cap="none" spc="0" normalizeH="0" baseline="0" noProof="0" dirty="0">
               <a:ln>
@@ -3524,7 +3524,7 @@
           <a:p>
             <a:fld id="{354D9587-B0F8-4B61-9D19-D0099ECA1B02}" type="datetime1">
               <a:rPr lang="zh-TW" altLang="en-US" smtClean="0"/>
-              <a:t>2020/8/25</a:t>
+              <a:t>2020/8/26</a:t>
             </a:fld>
             <a:endParaRPr lang="zh-TW" altLang="en-US"/>
           </a:p>
@@ -3817,7 +3817,7 @@
           <a:p>
             <a:fld id="{2D84641E-8C05-461B-BC0A-769116378CF8}" type="datetime1">
               <a:rPr lang="zh-TW" altLang="en-US" smtClean="0"/>
-              <a:t>2020/8/25</a:t>
+              <a:t>2020/8/26</a:t>
             </a:fld>
             <a:endParaRPr lang="zh-TW" altLang="en-US"/>
           </a:p>
@@ -5155,7 +5155,7 @@
                 <a:tabLst/>
                 <a:defRPr/>
               </a:pPr>
-              <a:t>2020/8/25</a:t>
+              <a:t>2020/8/26</a:t>
             </a:fld>
             <a:endParaRPr kumimoji="0" lang="zh-TW" altLang="en-US" sz="1800" b="0" i="0" u="none" strike="noStrike" kern="1200" cap="none" spc="0" normalizeH="0" baseline="0" noProof="0" dirty="0">
               <a:ln>
@@ -5263,7 +5263,7 @@
           <a:p>
             <a:fld id="{908A7086-1970-4D19-9AC3-2C1D5767A363}" type="datetime1">
               <a:rPr lang="zh-TW" altLang="en-US" smtClean="0"/>
-              <a:t>2020/8/25</a:t>
+              <a:t>2020/8/26</a:t>
             </a:fld>
             <a:endParaRPr lang="zh-TW" altLang="en-US"/>
           </a:p>
@@ -5404,7 +5404,7 @@
           <a:p>
             <a:fld id="{C2742146-F8DE-499A-832A-74B6832D6C57}" type="datetime1">
               <a:rPr lang="zh-TW" altLang="en-US" smtClean="0"/>
-              <a:t>2020/8/25</a:t>
+              <a:t>2020/8/26</a:t>
             </a:fld>
             <a:endParaRPr lang="zh-TW" altLang="en-US"/>
           </a:p>
@@ -5743,7 +5743,7 @@
           <a:p>
             <a:fld id="{E90E5525-AE2A-42A9-B5F0-5D7CF3676396}" type="datetime1">
               <a:rPr lang="zh-TW" altLang="en-US" smtClean="0"/>
-              <a:t>2020/8/25</a:t>
+              <a:t>2020/8/26</a:t>
             </a:fld>
             <a:endParaRPr lang="zh-TW" altLang="en-US"/>
           </a:p>
@@ -6059,7 +6059,7 @@
           <a:p>
             <a:fld id="{AE28D22B-B295-4121-93F4-C06EF4187A5C}" type="datetime1">
               <a:rPr lang="zh-TW" altLang="en-US" smtClean="0"/>
-              <a:t>2020/8/25</a:t>
+              <a:t>2020/8/26</a:t>
             </a:fld>
             <a:endParaRPr lang="zh-TW" altLang="en-US"/>
           </a:p>
@@ -6310,7 +6310,7 @@
           <a:p>
             <a:fld id="{DBEDC37B-D7AB-4D97-8348-E4FB7C470446}" type="datetime1">
               <a:rPr lang="zh-TW" altLang="en-US" smtClean="0"/>
-              <a:t>2020/8/25</a:t>
+              <a:t>2020/8/26</a:t>
             </a:fld>
             <a:endParaRPr lang="zh-TW" altLang="en-US" dirty="0"/>
           </a:p>
@@ -6761,79 +6761,43 @@
       </p:pic>
       <p:sp>
         <p:nvSpPr>
-          <p:cNvPr id="4" name="文字方塊 3">
+          <p:cNvPr id="3" name="矩形 2">
             <a:extLst>
               <a:ext uri="{FF2B5EF4-FFF2-40B4-BE49-F238E27FC236}">
-                <a16:creationId xmlns:a16="http://schemas.microsoft.com/office/drawing/2014/main" id="{319A24C6-F45D-40CF-AA2E-74EFBA63A0E9}"/>
+                <a16:creationId xmlns:a16="http://schemas.microsoft.com/office/drawing/2014/main" id="{45489C67-13D0-4643-9321-2FA86E36B441}"/>
               </a:ext>
             </a:extLst>
           </p:cNvPr>
-          <p:cNvSpPr txBox="1"/>
+          <p:cNvSpPr/>
           <p:nvPr/>
         </p:nvSpPr>
         <p:spPr>
           <a:xfrm>
-            <a:off x="2783632" y="2420888"/>
-            <a:ext cx="5760640" cy="830997"/>
+            <a:off x="2927648" y="1412776"/>
+            <a:ext cx="2808312" cy="369332"/>
           </a:xfrm>
           <a:prstGeom prst="rect">
             <a:avLst/>
           </a:prstGeom>
-          <a:noFill/>
         </p:spPr>
         <p:txBody>
-          <a:bodyPr wrap="square" rtlCol="0">
+          <a:bodyPr wrap="square">
             <a:spAutoFit/>
           </a:bodyPr>
           <a:lstStyle/>
           <a:p>
-            <a:pPr algn="ctr"/>
-            <a:r>
-              <a:rPr lang="en-US" sz="4800"/>
-              <a:t>old text</a:t>
-            </a:r>
-          </a:p>
-        </p:txBody>
-      </p:sp>
-      <p:sp>
-        <p:nvSpPr>
-          <p:cNvPr id="13" name="文字方塊 12">
-            <a:extLst>
-              <a:ext uri="{FF2B5EF4-FFF2-40B4-BE49-F238E27FC236}">
-                <a16:creationId xmlns:a16="http://schemas.microsoft.com/office/drawing/2014/main" id="{8B0B9D8B-C49F-40B2-98D9-7D9847B5E7D9}"/>
-              </a:ext>
-            </a:extLst>
-          </p:cNvPr>
-          <p:cNvSpPr txBox="1"/>
-          <p:nvPr/>
-        </p:nvSpPr>
-        <p:spPr>
-          <a:xfrm>
-            <a:off x="4511824" y="4005064"/>
-            <a:ext cx="5760640" cy="369332"/>
-          </a:xfrm>
-          <a:prstGeom prst="rect">
-            <a:avLst/>
-          </a:prstGeom>
-          <a:noFill/>
-        </p:spPr>
-        <p:txBody>
-          <a:bodyPr wrap="square" rtlCol="0">
-            <a:spAutoFit/>
-          </a:bodyPr>
-          <a:lstStyle/>
-          <a:p>
-            <a:r>
-              <a:rPr lang="en-US" dirty="0"/>
-              <a:t>old text</a:t>
-            </a:r>
+            <a:r>
+              <a:rPr lang="zh-TW" altLang="en-US"/>
+              <a:t>火</a:t>
+            </a:r>
+            <a:endParaRPr lang="zh-TW" altLang="en-US" dirty="0"/>
           </a:p>
         </p:txBody>
       </p:sp>
     </p:spTree>
     <p:extLst>
       <p:ext uri="{BB962C8B-B14F-4D97-AF65-F5344CB8AC3E}">
-        <p14:creationId xmlns:p14="http://schemas.microsoft.com/office/powerpoint/2010/main" val="3628919606"/>
+        <p14:creationId xmlns:p14="http://schemas.microsoft.com/office/powerpoint/2010/main" val="653370524"/>
       </p:ext>
     </p:extLst>
   </p:cSld>
